--- a/The Forest.pptx
+++ b/The Forest.pptx
@@ -7,6 +7,8 @@
   <p:sldIdLst>
     <p:sldId id="256" r:id="rId2"/>
     <p:sldId id="257" r:id="rId3"/>
+    <p:sldId id="258" r:id="rId4"/>
+    <p:sldId id="259" r:id="rId5"/>
   </p:sldIdLst>
   <p:sldSz cx="12192000" cy="6858000"/>
   <p:notesSz cx="6858000" cy="9144000"/>
@@ -3076,7 +3078,7 @@
         </p:nvSpPr>
         <p:spPr>
           <a:xfrm>
-            <a:off x="914400" y="317256"/>
+            <a:off x="914400" y="167787"/>
             <a:ext cx="10515600" cy="5640632"/>
           </a:xfrm>
         </p:spPr>
@@ -3112,7 +3114,7 @@
                   <a:schemeClr val="bg1"/>
                 </a:solidFill>
               </a:rPr>
-              <a:t>เราได้มีการรวบรวมสถิติพื้นที่ป่าไม้ในแต่ละภาคในปีต่างๆไว้ดังนี้</a:t>
+              <a:t>เราได้มีการรวบรวมสถิติการทำผิดกฏหมายเกี่ยวกับป่าไม้ในปี 2557-2558 ไว้ดังนี้</a:t>
             </a:r>
           </a:p>
           <a:p>
@@ -3132,7 +3134,7 @@
       </p:sp>
       <p:pic>
         <p:nvPicPr>
-          <p:cNvPr id="4" name="Picture 3"/>
+          <p:cNvPr id="6" name="Picture 5"/>
           <p:cNvPicPr>
             <a:picLocks noChangeAspect="1"/>
           </p:cNvPicPr>
@@ -3152,8 +3154,8 @@
         </p:blipFill>
         <p:spPr>
           <a:xfrm>
-            <a:off x="1055077" y="1647035"/>
-            <a:ext cx="9996854" cy="4983785"/>
+            <a:off x="914400" y="1525556"/>
+            <a:ext cx="10410825" cy="5190165"/>
           </a:xfrm>
           <a:prstGeom prst="rect">
             <a:avLst/>
@@ -3164,6 +3166,172 @@
     <p:extLst>
       <p:ext uri="{BB962C8B-B14F-4D97-AF65-F5344CB8AC3E}">
         <p14:creationId xmlns:p14="http://schemas.microsoft.com/office/powerpoint/2010/main" val="1985639209"/>
+      </p:ext>
+    </p:extLst>
+  </p:cSld>
+  <p:clrMapOvr>
+    <a:masterClrMapping/>
+  </p:clrMapOvr>
+</p:sld>
+</file>
+
+<file path=ppt/slides/slide3.xml><?xml version="1.0" encoding="utf-8"?>
+<p:sld xmlns:a="http://schemas.openxmlformats.org/drawingml/2006/main" xmlns:r="http://schemas.openxmlformats.org/officeDocument/2006/relationships" xmlns:p="http://schemas.openxmlformats.org/presentationml/2006/main">
+  <p:cSld>
+    <p:spTree>
+      <p:nvGrpSpPr>
+        <p:cNvPr id="1" name=""/>
+        <p:cNvGrpSpPr/>
+        <p:nvPr/>
+      </p:nvGrpSpPr>
+      <p:grpSpPr>
+        <a:xfrm>
+          <a:off x="0" y="0"/>
+          <a:ext cx="0" cy="0"/>
+          <a:chOff x="0" y="0"/>
+          <a:chExt cx="0" cy="0"/>
+        </a:xfrm>
+      </p:grpSpPr>
+      <p:sp>
+        <p:nvSpPr>
+          <p:cNvPr id="3" name="Content Placeholder 2"/>
+          <p:cNvSpPr>
+            <a:spLocks noGrp="1"/>
+          </p:cNvSpPr>
+          <p:nvPr>
+            <p:ph idx="1"/>
+          </p:nvPr>
+        </p:nvSpPr>
+        <p:spPr>
+          <a:xfrm>
+            <a:off x="838200" y="419100"/>
+            <a:ext cx="10515600" cy="5491163"/>
+          </a:xfrm>
+        </p:spPr>
+        <p:txBody>
+          <a:bodyPr/>
+          <a:lstStyle/>
+          <a:p>
+            <a:pPr marL="0" indent="0">
+              <a:buNone/>
+            </a:pPr>
+            <a:r>
+              <a:rPr lang="th-TH" dirty="0"/>
+              <a:t>	</a:t>
+            </a:r>
+            <a:r>
+              <a:rPr lang="th-TH" dirty="0">
+                <a:solidFill>
+                  <a:schemeClr val="bg1"/>
+                </a:solidFill>
+              </a:rPr>
+              <a:t>จะเห็นได้ว่า อัตราการกระทำผิดกฏหมายกับทรัพยากรป่าไม้สูงที่สุดคือช่วงเดือนตุลาคม 2557 และในช่วงเดือนเมษายนปี 2558 มีอัตราการกระทำการผิดกฏหมายกับทรัพยากรป่าไม้ต่ำที่สุด ในเดือนมิถุนายน 2558 มีการบุกรุกป่าไม้มากที่สุดและเดือนมกราคม 2558 มีการบุกรุกป่าไม้น้อยที่สุด โดยจะสังเกตได้ว่าอัตราการทำผิดกฏหมายเฉลี่ยมีผลต่อการบุกรุกป่าไม้ คือ สองอย่างนี้จะควบคู่กันไป ถ้าการทำผิดกฏหมายไม่เยอะ ก็จะบุรุกไม่เยอะ ยกเว้นแต่ในเดือนตุลาคม 2557 ที่มีอัตราการทำผิดกฎหมายสูงมาก</a:t>
+            </a:r>
+          </a:p>
+          <a:p>
+            <a:pPr marL="0" indent="0">
+              <a:buNone/>
+            </a:pPr>
+            <a:endParaRPr lang="th-TH" i="1" dirty="0"/>
+          </a:p>
+        </p:txBody>
+      </p:sp>
+      <p:pic>
+        <p:nvPicPr>
+          <p:cNvPr id="2" name="Picture 1"/>
+          <p:cNvPicPr>
+            <a:picLocks noChangeAspect="1"/>
+          </p:cNvPicPr>
+          <p:nvPr/>
+        </p:nvPicPr>
+        <p:blipFill>
+          <a:blip r:embed="rId2"/>
+          <a:stretch>
+            <a:fillRect/>
+          </a:stretch>
+        </p:blipFill>
+        <p:spPr>
+          <a:xfrm>
+            <a:off x="3238500" y="2724150"/>
+            <a:ext cx="5715000" cy="3810000"/>
+          </a:xfrm>
+          <a:prstGeom prst="rect">
+            <a:avLst/>
+          </a:prstGeom>
+        </p:spPr>
+      </p:pic>
+    </p:spTree>
+    <p:extLst>
+      <p:ext uri="{BB962C8B-B14F-4D97-AF65-F5344CB8AC3E}">
+        <p14:creationId xmlns:p14="http://schemas.microsoft.com/office/powerpoint/2010/main" val="1422601848"/>
+      </p:ext>
+    </p:extLst>
+  </p:cSld>
+  <p:clrMapOvr>
+    <a:masterClrMapping/>
+  </p:clrMapOvr>
+</p:sld>
+</file>
+
+<file path=ppt/slides/slide4.xml><?xml version="1.0" encoding="utf-8"?>
+<p:sld xmlns:a="http://schemas.openxmlformats.org/drawingml/2006/main" xmlns:r="http://schemas.openxmlformats.org/officeDocument/2006/relationships" xmlns:p="http://schemas.openxmlformats.org/presentationml/2006/main">
+  <p:cSld>
+    <p:spTree>
+      <p:nvGrpSpPr>
+        <p:cNvPr id="1" name=""/>
+        <p:cNvGrpSpPr/>
+        <p:nvPr/>
+      </p:nvGrpSpPr>
+      <p:grpSpPr>
+        <a:xfrm>
+          <a:off x="0" y="0"/>
+          <a:ext cx="0" cy="0"/>
+          <a:chOff x="0" y="0"/>
+          <a:chExt cx="0" cy="0"/>
+        </a:xfrm>
+      </p:grpSpPr>
+      <p:sp>
+        <p:nvSpPr>
+          <p:cNvPr id="2" name="Title 1"/>
+          <p:cNvSpPr>
+            <a:spLocks noGrp="1"/>
+          </p:cNvSpPr>
+          <p:nvPr>
+            <p:ph type="title"/>
+          </p:nvPr>
+        </p:nvSpPr>
+        <p:spPr/>
+        <p:txBody>
+          <a:bodyPr/>
+          <a:lstStyle/>
+          <a:p>
+            <a:endParaRPr lang="th-TH"/>
+          </a:p>
+        </p:txBody>
+      </p:sp>
+      <p:sp>
+        <p:nvSpPr>
+          <p:cNvPr id="3" name="Content Placeholder 2"/>
+          <p:cNvSpPr>
+            <a:spLocks noGrp="1"/>
+          </p:cNvSpPr>
+          <p:nvPr>
+            <p:ph idx="1"/>
+          </p:nvPr>
+        </p:nvSpPr>
+        <p:spPr/>
+        <p:txBody>
+          <a:bodyPr/>
+          <a:lstStyle/>
+          <a:p>
+            <a:endParaRPr lang="th-TH"/>
+          </a:p>
+        </p:txBody>
+      </p:sp>
+    </p:spTree>
+    <p:extLst>
+      <p:ext uri="{BB962C8B-B14F-4D97-AF65-F5344CB8AC3E}">
+        <p14:creationId xmlns:p14="http://schemas.microsoft.com/office/powerpoint/2010/main" val="2794486313"/>
       </p:ext>
     </p:extLst>
   </p:cSld>

--- a/The Forest.pptx
+++ b/The Forest.pptx
@@ -9,6 +9,7 @@
     <p:sldId id="257" r:id="rId3"/>
     <p:sldId id="258" r:id="rId4"/>
     <p:sldId id="259" r:id="rId5"/>
+    <p:sldId id="260" r:id="rId6"/>
   </p:sldIdLst>
   <p:sldSz cx="12192000" cy="6858000"/>
   <p:notesSz cx="6858000" cy="9144000"/>
@@ -246,7 +247,7 @@
           <a:p>
             <a:fld id="{BD1EAAF0-2DEF-42BD-BA4B-1C8F2DA64A1B}" type="datetimeFigureOut">
               <a:rPr lang="th-TH" smtClean="0"/>
-              <a:t>04/12/59</a:t>
+              <a:t>05/12/59</a:t>
             </a:fld>
             <a:endParaRPr lang="th-TH"/>
           </a:p>
@@ -416,7 +417,7 @@
           <a:p>
             <a:fld id="{BD1EAAF0-2DEF-42BD-BA4B-1C8F2DA64A1B}" type="datetimeFigureOut">
               <a:rPr lang="th-TH" smtClean="0"/>
-              <a:t>04/12/59</a:t>
+              <a:t>05/12/59</a:t>
             </a:fld>
             <a:endParaRPr lang="th-TH"/>
           </a:p>
@@ -596,7 +597,7 @@
           <a:p>
             <a:fld id="{BD1EAAF0-2DEF-42BD-BA4B-1C8F2DA64A1B}" type="datetimeFigureOut">
               <a:rPr lang="th-TH" smtClean="0"/>
-              <a:t>04/12/59</a:t>
+              <a:t>05/12/59</a:t>
             </a:fld>
             <a:endParaRPr lang="th-TH"/>
           </a:p>
@@ -766,7 +767,7 @@
           <a:p>
             <a:fld id="{BD1EAAF0-2DEF-42BD-BA4B-1C8F2DA64A1B}" type="datetimeFigureOut">
               <a:rPr lang="th-TH" smtClean="0"/>
-              <a:t>04/12/59</a:t>
+              <a:t>05/12/59</a:t>
             </a:fld>
             <a:endParaRPr lang="th-TH"/>
           </a:p>
@@ -1012,7 +1013,7 @@
           <a:p>
             <a:fld id="{BD1EAAF0-2DEF-42BD-BA4B-1C8F2DA64A1B}" type="datetimeFigureOut">
               <a:rPr lang="th-TH" smtClean="0"/>
-              <a:t>04/12/59</a:t>
+              <a:t>05/12/59</a:t>
             </a:fld>
             <a:endParaRPr lang="th-TH"/>
           </a:p>
@@ -1244,7 +1245,7 @@
           <a:p>
             <a:fld id="{BD1EAAF0-2DEF-42BD-BA4B-1C8F2DA64A1B}" type="datetimeFigureOut">
               <a:rPr lang="th-TH" smtClean="0"/>
-              <a:t>04/12/59</a:t>
+              <a:t>05/12/59</a:t>
             </a:fld>
             <a:endParaRPr lang="th-TH"/>
           </a:p>
@@ -1611,7 +1612,7 @@
           <a:p>
             <a:fld id="{BD1EAAF0-2DEF-42BD-BA4B-1C8F2DA64A1B}" type="datetimeFigureOut">
               <a:rPr lang="th-TH" smtClean="0"/>
-              <a:t>04/12/59</a:t>
+              <a:t>05/12/59</a:t>
             </a:fld>
             <a:endParaRPr lang="th-TH"/>
           </a:p>
@@ -1729,7 +1730,7 @@
           <a:p>
             <a:fld id="{BD1EAAF0-2DEF-42BD-BA4B-1C8F2DA64A1B}" type="datetimeFigureOut">
               <a:rPr lang="th-TH" smtClean="0"/>
-              <a:t>04/12/59</a:t>
+              <a:t>05/12/59</a:t>
             </a:fld>
             <a:endParaRPr lang="th-TH"/>
           </a:p>
@@ -1824,7 +1825,7 @@
           <a:p>
             <a:fld id="{BD1EAAF0-2DEF-42BD-BA4B-1C8F2DA64A1B}" type="datetimeFigureOut">
               <a:rPr lang="th-TH" smtClean="0"/>
-              <a:t>04/12/59</a:t>
+              <a:t>05/12/59</a:t>
             </a:fld>
             <a:endParaRPr lang="th-TH"/>
           </a:p>
@@ -2101,7 +2102,7 @@
           <a:p>
             <a:fld id="{BD1EAAF0-2DEF-42BD-BA4B-1C8F2DA64A1B}" type="datetimeFigureOut">
               <a:rPr lang="th-TH" smtClean="0"/>
-              <a:t>04/12/59</a:t>
+              <a:t>05/12/59</a:t>
             </a:fld>
             <a:endParaRPr lang="th-TH"/>
           </a:p>
@@ -2354,7 +2355,7 @@
           <a:p>
             <a:fld id="{BD1EAAF0-2DEF-42BD-BA4B-1C8F2DA64A1B}" type="datetimeFigureOut">
               <a:rPr lang="th-TH" smtClean="0"/>
-              <a:t>04/12/59</a:t>
+              <a:t>05/12/59</a:t>
             </a:fld>
             <a:endParaRPr lang="th-TH"/>
           </a:p>
@@ -2570,7 +2571,7 @@
           <a:p>
             <a:fld id="{BD1EAAF0-2DEF-42BD-BA4B-1C8F2DA64A1B}" type="datetimeFigureOut">
               <a:rPr lang="th-TH" smtClean="0"/>
-              <a:t>04/12/59</a:t>
+              <a:t>05/12/59</a:t>
             </a:fld>
             <a:endParaRPr lang="th-TH"/>
           </a:p>
@@ -3292,25 +3293,6 @@
       </p:grpSpPr>
       <p:sp>
         <p:nvSpPr>
-          <p:cNvPr id="2" name="Title 1"/>
-          <p:cNvSpPr>
-            <a:spLocks noGrp="1"/>
-          </p:cNvSpPr>
-          <p:nvPr>
-            <p:ph type="title"/>
-          </p:nvPr>
-        </p:nvSpPr>
-        <p:spPr/>
-        <p:txBody>
-          <a:bodyPr/>
-          <a:lstStyle/>
-          <a:p>
-            <a:endParaRPr lang="th-TH"/>
-          </a:p>
-        </p:txBody>
-      </p:sp>
-      <p:sp>
-        <p:nvSpPr>
           <p:cNvPr id="3" name="Content Placeholder 2"/>
           <p:cNvSpPr>
             <a:spLocks noGrp="1"/>
@@ -3319,19 +3301,171 @@
             <p:ph idx="1"/>
           </p:nvPr>
         </p:nvSpPr>
-        <p:spPr/>
-        <p:txBody>
-          <a:bodyPr/>
-          <a:lstStyle/>
-          <a:p>
-            <a:endParaRPr lang="th-TH"/>
-          </a:p>
-        </p:txBody>
-      </p:sp>
+        <p:spPr>
+          <a:xfrm>
+            <a:off x="838200" y="307731"/>
+            <a:ext cx="10515600" cy="5869232"/>
+          </a:xfrm>
+        </p:spPr>
+        <p:txBody>
+          <a:bodyPr/>
+          <a:lstStyle/>
+          <a:p>
+            <a:pPr marL="0" indent="0">
+              <a:buNone/>
+            </a:pPr>
+            <a:r>
+              <a:rPr lang="th-TH" dirty="0">
+                <a:solidFill>
+                  <a:schemeClr val="bg1"/>
+                </a:solidFill>
+              </a:rPr>
+              <a:t>	จากการกระทำผิดกฏหมายและการทำลายป่า นี่คือกราฟแสดงผลรวมของพื้นที่ทรัพยากรป่าไม้ในแต่ละภูมิภาค</a:t>
+            </a:r>
+          </a:p>
+        </p:txBody>
+      </p:sp>
+      <p:pic>
+        <p:nvPicPr>
+          <p:cNvPr id="4" name="Picture 3"/>
+          <p:cNvPicPr>
+            <a:picLocks noChangeAspect="1"/>
+          </p:cNvPicPr>
+          <p:nvPr/>
+        </p:nvPicPr>
+        <p:blipFill>
+          <a:blip r:embed="rId2">
+            <a:extLst>
+              <a:ext uri="{28A0092B-C50C-407E-A947-70E740481C1C}">
+                <a14:useLocalDpi xmlns:a14="http://schemas.microsoft.com/office/drawing/2010/main" val="0"/>
+              </a:ext>
+            </a:extLst>
+          </a:blip>
+          <a:stretch>
+            <a:fillRect/>
+          </a:stretch>
+        </p:blipFill>
+        <p:spPr>
+          <a:xfrm>
+            <a:off x="838200" y="1278018"/>
+            <a:ext cx="10487025" cy="5228154"/>
+          </a:xfrm>
+          <a:prstGeom prst="rect">
+            <a:avLst/>
+          </a:prstGeom>
+        </p:spPr>
+      </p:pic>
     </p:spTree>
     <p:extLst>
       <p:ext uri="{BB962C8B-B14F-4D97-AF65-F5344CB8AC3E}">
         <p14:creationId xmlns:p14="http://schemas.microsoft.com/office/powerpoint/2010/main" val="2794486313"/>
+      </p:ext>
+    </p:extLst>
+  </p:cSld>
+  <p:clrMapOvr>
+    <a:masterClrMapping/>
+  </p:clrMapOvr>
+</p:sld>
+</file>
+
+<file path=ppt/slides/slide5.xml><?xml version="1.0" encoding="utf-8"?>
+<p:sld xmlns:a="http://schemas.openxmlformats.org/drawingml/2006/main" xmlns:r="http://schemas.openxmlformats.org/officeDocument/2006/relationships" xmlns:p="http://schemas.openxmlformats.org/presentationml/2006/main">
+  <p:cSld>
+    <p:spTree>
+      <p:nvGrpSpPr>
+        <p:cNvPr id="1" name=""/>
+        <p:cNvGrpSpPr/>
+        <p:nvPr/>
+      </p:nvGrpSpPr>
+      <p:grpSpPr>
+        <a:xfrm>
+          <a:off x="0" y="0"/>
+          <a:ext cx="0" cy="0"/>
+          <a:chOff x="0" y="0"/>
+          <a:chExt cx="0" cy="0"/>
+        </a:xfrm>
+      </p:grpSpPr>
+      <p:sp>
+        <p:nvSpPr>
+          <p:cNvPr id="3" name="Content Placeholder 2"/>
+          <p:cNvSpPr>
+            <a:spLocks noGrp="1"/>
+          </p:cNvSpPr>
+          <p:nvPr>
+            <p:ph idx="1"/>
+          </p:nvPr>
+        </p:nvSpPr>
+        <p:spPr>
+          <a:xfrm>
+            <a:off x="501162" y="272562"/>
+            <a:ext cx="10861431" cy="5675801"/>
+          </a:xfrm>
+        </p:spPr>
+        <p:txBody>
+          <a:bodyPr/>
+          <a:lstStyle/>
+          <a:p>
+            <a:pPr marL="457200" lvl="1" indent="0">
+              <a:buNone/>
+            </a:pPr>
+            <a:r>
+              <a:rPr lang="th-TH" dirty="0">
+                <a:solidFill>
+                  <a:schemeClr val="bg1"/>
+                </a:solidFill>
+              </a:rPr>
+              <a:t>	ซึ่งจากกราฟจะเห็นได้ว่าภาคเหนือมีพื้นที่ป่าไม้มากที่สุดอย่างโดดเด่น ในปีพ.ศ. 2516 กราฟแสดงพื้นที่ของทรัพยากรป่าไม้สูงมาก แสดงถึงความอุดมสมบูรณ์ และได้ค่อยๆลดลงจนน้อยที่สุดที่ปีพ.ศ. 2541 ซึ่งแสดงให้เห็นว่าเราได้ใช้ทรัพยากรป่าไม้อย่างสิ้นเปลืองและลดลงอย่างรวดเร็วและต่อเนื่อง แต่ในปีพ.ศ. 2543 ก็ได้เพิ่มขึ้นมา และค่อนข้างคงที่ ซึ่งแสดงให้เห็นว่าประเทศไทยได้มีการตื่นตัวเรื่องทรพัยากรป่าไม้ที่ลดลง และได้ช่วยกันฟื้นฟูสภาพป่าไม้ให้มากขึ้น</a:t>
+            </a:r>
+          </a:p>
+          <a:p>
+            <a:pPr marL="457200" lvl="1" indent="0">
+              <a:buNone/>
+            </a:pPr>
+            <a:r>
+              <a:rPr lang="th-TH" dirty="0">
+                <a:solidFill>
+                  <a:schemeClr val="bg1"/>
+                </a:solidFill>
+              </a:rPr>
+              <a:t>โดยมีกราฟแสดงอัตราการฟื้นฟูสภาพป่าไม้ในแต่ละปีดังนี้</a:t>
+            </a:r>
+          </a:p>
+        </p:txBody>
+      </p:sp>
+      <p:pic>
+        <p:nvPicPr>
+          <p:cNvPr id="4" name="Picture 3"/>
+          <p:cNvPicPr>
+            <a:picLocks noChangeAspect="1"/>
+          </p:cNvPicPr>
+          <p:nvPr/>
+        </p:nvPicPr>
+        <p:blipFill>
+          <a:blip r:embed="rId2">
+            <a:extLst>
+              <a:ext uri="{28A0092B-C50C-407E-A947-70E740481C1C}">
+                <a14:useLocalDpi xmlns:a14="http://schemas.microsoft.com/office/drawing/2010/main" val="0"/>
+              </a:ext>
+            </a:extLst>
+          </a:blip>
+          <a:stretch>
+            <a:fillRect/>
+          </a:stretch>
+        </p:blipFill>
+        <p:spPr>
+          <a:xfrm>
+            <a:off x="1521069" y="2181330"/>
+            <a:ext cx="8959362" cy="4466560"/>
+          </a:xfrm>
+          <a:prstGeom prst="rect">
+            <a:avLst/>
+          </a:prstGeom>
+        </p:spPr>
+      </p:pic>
+    </p:spTree>
+    <p:extLst>
+      <p:ext uri="{BB962C8B-B14F-4D97-AF65-F5344CB8AC3E}">
+        <p14:creationId xmlns:p14="http://schemas.microsoft.com/office/powerpoint/2010/main" val="392651295"/>
       </p:ext>
     </p:extLst>
   </p:cSld>

--- a/The Forest.pptx
+++ b/The Forest.pptx
@@ -10,6 +10,11 @@
     <p:sldId id="258" r:id="rId4"/>
     <p:sldId id="259" r:id="rId5"/>
     <p:sldId id="260" r:id="rId6"/>
+    <p:sldId id="261" r:id="rId7"/>
+    <p:sldId id="263" r:id="rId8"/>
+    <p:sldId id="264" r:id="rId9"/>
+    <p:sldId id="265" r:id="rId10"/>
+    <p:sldId id="266" r:id="rId11"/>
   </p:sldIdLst>
   <p:sldSz cx="12192000" cy="6858000"/>
   <p:notesSz cx="6858000" cy="9144000"/>
@@ -3050,6 +3055,110 @@
 </p:sld>
 </file>
 
+<file path=ppt/slides/slide10.xml><?xml version="1.0" encoding="utf-8"?>
+<p:sld xmlns:a="http://schemas.openxmlformats.org/drawingml/2006/main" xmlns:r="http://schemas.openxmlformats.org/officeDocument/2006/relationships" xmlns:p="http://schemas.openxmlformats.org/presentationml/2006/main">
+  <p:cSld>
+    <p:spTree>
+      <p:nvGrpSpPr>
+        <p:cNvPr id="1" name=""/>
+        <p:cNvGrpSpPr/>
+        <p:nvPr/>
+      </p:nvGrpSpPr>
+      <p:grpSpPr>
+        <a:xfrm>
+          <a:off x="0" y="0"/>
+          <a:ext cx="0" cy="0"/>
+          <a:chOff x="0" y="0"/>
+          <a:chExt cx="0" cy="0"/>
+        </a:xfrm>
+      </p:grpSpPr>
+      <p:sp>
+        <p:nvSpPr>
+          <p:cNvPr id="2" name="Title 1"/>
+          <p:cNvSpPr>
+            <a:spLocks noGrp="1"/>
+          </p:cNvSpPr>
+          <p:nvPr>
+            <p:ph type="title"/>
+          </p:nvPr>
+        </p:nvSpPr>
+        <p:spPr/>
+        <p:txBody>
+          <a:bodyPr>
+            <a:normAutofit/>
+          </a:bodyPr>
+          <a:lstStyle/>
+          <a:p>
+            <a:r>
+              <a:rPr lang="en-US" sz="6000" b="1" dirty="0">
+                <a:solidFill>
+                  <a:schemeClr val="bg1"/>
+                </a:solidFill>
+              </a:rPr>
+              <a:t>source</a:t>
+            </a:r>
+            <a:endParaRPr lang="th-TH" sz="6000" b="1" dirty="0">
+              <a:solidFill>
+                <a:schemeClr val="bg1"/>
+              </a:solidFill>
+            </a:endParaRPr>
+          </a:p>
+        </p:txBody>
+      </p:sp>
+      <p:sp>
+        <p:nvSpPr>
+          <p:cNvPr id="3" name="Content Placeholder 2"/>
+          <p:cNvSpPr>
+            <a:spLocks noGrp="1"/>
+          </p:cNvSpPr>
+          <p:nvPr>
+            <p:ph idx="1"/>
+          </p:nvPr>
+        </p:nvSpPr>
+        <p:spPr/>
+        <p:txBody>
+          <a:bodyPr/>
+          <a:lstStyle/>
+          <a:p>
+            <a:r>
+              <a:rPr lang="en-US" dirty="0">
+                <a:solidFill>
+                  <a:schemeClr val="bg1"/>
+                </a:solidFill>
+              </a:rPr>
+              <a:t>https://sites.google.com/site/pitchathak78/kar-xnuraks-sing-waedlxm/withi-xnuraks-thraphyakr-pa-mi</a:t>
+            </a:r>
+          </a:p>
+          <a:p>
+            <a:r>
+              <a:rPr lang="en-US" dirty="0">
+                <a:solidFill>
+                  <a:schemeClr val="bg1"/>
+                </a:solidFill>
+              </a:rPr>
+              <a:t>https://www.m-society.go.th/ewt_news.php?nid=12324</a:t>
+            </a:r>
+            <a:endParaRPr lang="th-TH" dirty="0">
+              <a:solidFill>
+                <a:schemeClr val="bg1"/>
+              </a:solidFill>
+            </a:endParaRPr>
+          </a:p>
+        </p:txBody>
+      </p:sp>
+    </p:spTree>
+    <p:extLst>
+      <p:ext uri="{BB962C8B-B14F-4D97-AF65-F5344CB8AC3E}">
+        <p14:creationId xmlns:p14="http://schemas.microsoft.com/office/powerpoint/2010/main" val="51711106"/>
+      </p:ext>
+    </p:extLst>
+  </p:cSld>
+  <p:clrMapOvr>
+    <a:masterClrMapping/>
+  </p:clrMapOvr>
+</p:sld>
+</file>
+
 <file path=ppt/slides/slide2.xml><?xml version="1.0" encoding="utf-8"?>
 <p:sld xmlns:a="http://schemas.openxmlformats.org/drawingml/2006/main" xmlns:r="http://schemas.openxmlformats.org/officeDocument/2006/relationships" xmlns:p="http://schemas.openxmlformats.org/presentationml/2006/main">
   <p:cSld>
@@ -3079,7 +3188,7 @@
         </p:nvSpPr>
         <p:spPr>
           <a:xfrm>
-            <a:off x="914400" y="167787"/>
+            <a:off x="914400" y="255710"/>
             <a:ext cx="10515600" cy="5640632"/>
           </a:xfrm>
         </p:spPr>
@@ -3099,23 +3208,7 @@
                   <a:schemeClr val="bg1"/>
                 </a:solidFill>
               </a:rPr>
-              <a:t>	ในขณะที่ทุกอย่างกำลังพัฒนามากขึ้น แต่มีบางอย่างกำลังจะใกล้หมดไป. . .นั่นคือทรัพยากรธรรมชาตินั่นเอง ป่าไม้อยู่คู่โลกมานานกว่ามนุษย์หลายล้านปีนัก แต่ก็อาจจะหมดไปเพราะมนุษย์</a:t>
-            </a:r>
-          </a:p>
-          <a:p>
-            <a:pPr marL="0" indent="0">
-              <a:spcBef>
-                <a:spcPts val="0"/>
-              </a:spcBef>
-              <a:buNone/>
-            </a:pPr>
-            <a:r>
-              <a:rPr lang="th-TH" dirty="0">
-                <a:solidFill>
-                  <a:schemeClr val="bg1"/>
-                </a:solidFill>
-              </a:rPr>
-              <a:t>เราได้มีการรวบรวมสถิติการทำผิดกฏหมายเกี่ยวกับป่าไม้ในปี 2557-2558 ไว้ดังนี้</a:t>
+              <a:t>	ในขณะที่ทุกอย่างกำลังพัฒนามากขึ้น แต่มีบางอย่างกำลังจะใกล้หมดไปนั่นคือทรัพยากรธรรมชาตินั่นเอง ป่าไม้อยู่คู่โลกมานานกว่ามนุษย์หลายล้านปีนัก แต่ก็อาจจะหมดไปเพราะมนุษย์  เราได้มีการรวบรวมสถิติการทำผิดกฏหมายเกี่ยวกับป่าไม้ในปี 2557-2558 ไว้ดังนี้</a:t>
             </a:r>
           </a:p>
           <a:p>
@@ -3155,8 +3248,8 @@
         </p:blipFill>
         <p:spPr>
           <a:xfrm>
-            <a:off x="914400" y="1525556"/>
-            <a:ext cx="10410825" cy="5190165"/>
+            <a:off x="975947" y="1617970"/>
+            <a:ext cx="10225454" cy="5097751"/>
           </a:xfrm>
           <a:prstGeom prst="rect">
             <a:avLst/>
@@ -3466,6 +3559,588 @@
     <p:extLst>
       <p:ext uri="{BB962C8B-B14F-4D97-AF65-F5344CB8AC3E}">
         <p14:creationId xmlns:p14="http://schemas.microsoft.com/office/powerpoint/2010/main" val="392651295"/>
+      </p:ext>
+    </p:extLst>
+  </p:cSld>
+  <p:clrMapOvr>
+    <a:masterClrMapping/>
+  </p:clrMapOvr>
+</p:sld>
+</file>
+
+<file path=ppt/slides/slide6.xml><?xml version="1.0" encoding="utf-8"?>
+<p:sld xmlns:a="http://schemas.openxmlformats.org/drawingml/2006/main" xmlns:r="http://schemas.openxmlformats.org/officeDocument/2006/relationships" xmlns:p="http://schemas.openxmlformats.org/presentationml/2006/main">
+  <p:cSld>
+    <p:spTree>
+      <p:nvGrpSpPr>
+        <p:cNvPr id="1" name=""/>
+        <p:cNvGrpSpPr/>
+        <p:nvPr/>
+      </p:nvGrpSpPr>
+      <p:grpSpPr>
+        <a:xfrm>
+          <a:off x="0" y="0"/>
+          <a:ext cx="0" cy="0"/>
+          <a:chOff x="0" y="0"/>
+          <a:chExt cx="0" cy="0"/>
+        </a:xfrm>
+      </p:grpSpPr>
+      <p:sp>
+        <p:nvSpPr>
+          <p:cNvPr id="3" name="Content Placeholder 2"/>
+          <p:cNvSpPr>
+            <a:spLocks noGrp="1"/>
+          </p:cNvSpPr>
+          <p:nvPr>
+            <p:ph idx="1"/>
+          </p:nvPr>
+        </p:nvSpPr>
+        <p:spPr>
+          <a:xfrm>
+            <a:off x="838200" y="492368"/>
+            <a:ext cx="10515600" cy="5684595"/>
+          </a:xfrm>
+        </p:spPr>
+        <p:txBody>
+          <a:bodyPr>
+            <a:normAutofit lnSpcReduction="10000"/>
+          </a:bodyPr>
+          <a:lstStyle/>
+          <a:p>
+            <a:pPr marL="0" indent="0">
+              <a:buNone/>
+            </a:pPr>
+            <a:r>
+              <a:rPr lang="en-US" dirty="0"/>
+              <a:t>	</a:t>
+            </a:r>
+            <a:r>
+              <a:rPr lang="th-TH" dirty="0">
+                <a:solidFill>
+                  <a:schemeClr val="bg1"/>
+                </a:solidFill>
+              </a:rPr>
+              <a:t>จะสังเกตได้ว่าในปี ค.ศ.2008 ซึ่งตรงกับปีพ.ศ. 2551 มีอัตราการฟื้นฟูป่าไม้สูงที่สุด ซึ่งค่อนข้างสอดคล้องกับกราฟแสดงทรัพยากรป่าไม้ในปี พ.ศ.2551 ซึ่งในช่วงนั้นมีการตื่นตัวที่จะช่วยกันรักษาและฟื้นฟูทรัพยกรป่าไม้กันมากขึ้นจนทำให้กราฟกลับมาคงที่ </a:t>
+            </a:r>
+          </a:p>
+          <a:p>
+            <a:pPr marL="0" indent="0">
+              <a:buNone/>
+            </a:pPr>
+            <a:r>
+              <a:rPr lang="th-TH" dirty="0">
+                <a:solidFill>
+                  <a:schemeClr val="bg1"/>
+                </a:solidFill>
+              </a:rPr>
+              <a:t>	ในการฟื้นฟูและรักษาทรัพยากรป่าไม้มีหลายวิธี และเป็นหน้าที่ของทุกๆคน โดยจะเสนอวิธีการช่วยฟื้นฟูและรักษาทรัพยากรป่าไม้ดังนี้</a:t>
+            </a:r>
+          </a:p>
+          <a:p>
+            <a:pPr marL="0" indent="0">
+              <a:buNone/>
+            </a:pPr>
+            <a:r>
+              <a:rPr lang="th-TH" b="1" u="sng" dirty="0">
+                <a:solidFill>
+                  <a:schemeClr val="bg1"/>
+                </a:solidFill>
+              </a:rPr>
+              <a:t>1. การกำหนดนโยบายป่าไม้แห่งชาติ </a:t>
+            </a:r>
+          </a:p>
+          <a:p>
+            <a:pPr marL="0" indent="0">
+              <a:buNone/>
+            </a:pPr>
+            <a:r>
+              <a:rPr lang="th-TH" dirty="0">
+                <a:solidFill>
+                  <a:schemeClr val="bg1"/>
+                </a:solidFill>
+              </a:rPr>
+              <a:t>	นโยบายป่าไม้แห่งชาติ มีอยู่ 20 ข้อที่สำคัญ คือ การกำหนดให้มีพื้นที่ป่าไม้ทั่วประเทศอย่างน้อยในอัตราร้อยละ 40 ของพื้นที่ประเทศ เป็นการกำหนดแนวทางการจัดการและ การพัฒนาป่าไม้ในระยะยาว</a:t>
+            </a:r>
+          </a:p>
+          <a:p>
+            <a:pPr marL="0" indent="0">
+              <a:buNone/>
+            </a:pPr>
+            <a:endParaRPr lang="th-TH" dirty="0">
+              <a:solidFill>
+                <a:schemeClr val="bg1"/>
+              </a:solidFill>
+            </a:endParaRPr>
+          </a:p>
+          <a:p>
+            <a:pPr marL="0" indent="0">
+              <a:buNone/>
+            </a:pPr>
+            <a:r>
+              <a:rPr lang="th-TH" b="1" u="sng" dirty="0">
+                <a:solidFill>
+                  <a:schemeClr val="bg1"/>
+                </a:solidFill>
+              </a:rPr>
+              <a:t> 2. การปลูกป่า </a:t>
+            </a:r>
+          </a:p>
+          <a:p>
+            <a:pPr marL="0" indent="0">
+              <a:buNone/>
+            </a:pPr>
+            <a:r>
+              <a:rPr lang="th-TH" dirty="0">
+                <a:solidFill>
+                  <a:schemeClr val="bg1"/>
+                </a:solidFill>
+              </a:rPr>
+              <a:t>	เป็น การดำเนินงานด้านการอนุรักษ์ป่าไม้อย่างหนึ่ง เมื่อป่าไม้ในพื้นที่ถูกตัดฟันลงไม่ว่ากรณีใดก็ตามนโยบายการรักษาป่าไม้จะกำหนดให้มีการปลูกป่าขึ้นทดแทนและส่งเสริมให้มีการ ปลูกสร้างสวนป่าทุกรูปแบบ</a:t>
+            </a:r>
+            <a:endParaRPr lang="th-TH" dirty="0">
+              <a:solidFill>
+                <a:schemeClr val="bg1"/>
+              </a:solidFill>
+            </a:endParaRPr>
+          </a:p>
+          <a:p>
+            <a:pPr marL="0" indent="0">
+              <a:buNone/>
+            </a:pPr>
+            <a:endParaRPr lang="th-TH" dirty="0"/>
+          </a:p>
+        </p:txBody>
+      </p:sp>
+    </p:spTree>
+    <p:extLst>
+      <p:ext uri="{BB962C8B-B14F-4D97-AF65-F5344CB8AC3E}">
+        <p14:creationId xmlns:p14="http://schemas.microsoft.com/office/powerpoint/2010/main" val="165895291"/>
+      </p:ext>
+    </p:extLst>
+  </p:cSld>
+  <p:clrMapOvr>
+    <a:masterClrMapping/>
+  </p:clrMapOvr>
+</p:sld>
+</file>
+
+<file path=ppt/slides/slide7.xml><?xml version="1.0" encoding="utf-8"?>
+<p:sld xmlns:a="http://schemas.openxmlformats.org/drawingml/2006/main" xmlns:r="http://schemas.openxmlformats.org/officeDocument/2006/relationships" xmlns:p="http://schemas.openxmlformats.org/presentationml/2006/main">
+  <p:cSld>
+    <p:spTree>
+      <p:nvGrpSpPr>
+        <p:cNvPr id="1" name=""/>
+        <p:cNvGrpSpPr/>
+        <p:nvPr/>
+      </p:nvGrpSpPr>
+      <p:grpSpPr>
+        <a:xfrm>
+          <a:off x="0" y="0"/>
+          <a:ext cx="0" cy="0"/>
+          <a:chOff x="0" y="0"/>
+          <a:chExt cx="0" cy="0"/>
+        </a:xfrm>
+      </p:grpSpPr>
+      <p:sp>
+        <p:nvSpPr>
+          <p:cNvPr id="3" name="Content Placeholder 2"/>
+          <p:cNvSpPr>
+            <a:spLocks noGrp="1"/>
+          </p:cNvSpPr>
+          <p:nvPr>
+            <p:ph idx="1"/>
+          </p:nvPr>
+        </p:nvSpPr>
+        <p:spPr>
+          <a:xfrm>
+            <a:off x="838200" y="413238"/>
+            <a:ext cx="10515600" cy="5763725"/>
+          </a:xfrm>
+        </p:spPr>
+        <p:txBody>
+          <a:bodyPr>
+            <a:normAutofit/>
+          </a:bodyPr>
+          <a:lstStyle/>
+          <a:p>
+            <a:pPr marL="0" indent="0">
+              <a:buNone/>
+            </a:pPr>
+            <a:r>
+              <a:rPr lang="th-TH" b="1" u="sng" dirty="0">
+                <a:solidFill>
+                  <a:schemeClr val="bg1"/>
+                </a:solidFill>
+              </a:rPr>
+              <a:t>3. การป้องกันไฟไหม้ป่า </a:t>
+            </a:r>
+          </a:p>
+          <a:p>
+            <a:pPr marL="0" indent="0">
+              <a:buNone/>
+            </a:pPr>
+            <a:r>
+              <a:rPr lang="th-TH" dirty="0">
+                <a:solidFill>
+                  <a:schemeClr val="bg1"/>
+                </a:solidFill>
+              </a:rPr>
+              <a:t>	ไฟไหม้ป่าถือว่าเป็นอันตรายร้ายแรงที่เกิดขึ้นกับป่าไม้การฟื้นฟูกระทำได้ ยากมาก ไฟไหม้ป่าเกิดจากการกระทำของมนุษย์ จากความประมาทเลินเล่อ ทำให้ต้นไม้บางส่วนอาจตาย บางส่วนอาจชะงัก การเจริญเติบโต และบางแห่งอาจตายหมด หากเกิดซ้ำแล้วซ้ำเล่าจนพืชหมดโอกาสแพร่พันธุ์ได้</a:t>
+            </a:r>
+          </a:p>
+          <a:p>
+            <a:pPr marL="0" indent="0">
+              <a:buNone/>
+            </a:pPr>
+            <a:endParaRPr lang="th-TH" dirty="0">
+              <a:solidFill>
+                <a:schemeClr val="bg1"/>
+              </a:solidFill>
+            </a:endParaRPr>
+          </a:p>
+          <a:p>
+            <a:pPr marL="0" indent="0">
+              <a:buNone/>
+            </a:pPr>
+            <a:r>
+              <a:rPr lang="th-TH" b="1" u="sng" dirty="0">
+                <a:solidFill>
+                  <a:schemeClr val="bg1"/>
+                </a:solidFill>
+              </a:rPr>
+              <a:t>4. การป้องกันการบุกรุกทำลายป่า</a:t>
+            </a:r>
+          </a:p>
+          <a:p>
+            <a:pPr marL="0" indent="0">
+              <a:buNone/>
+            </a:pPr>
+            <a:r>
+              <a:rPr lang="th-TH" dirty="0">
+                <a:solidFill>
+                  <a:schemeClr val="bg1"/>
+                </a:solidFill>
+              </a:rPr>
+              <a:t>	การบุกรุกการทำลายป่าไม้ในปัจจุบัน จะเพิ่มความรุนแรงมากขึ้น การป้องกันทำได้โดย การทำหลักเขตป้ายหรือเครื่องหมายให้ชัดเจนเพื่อบอกให้รู้ว่า เป็นเขตป่าประเภทใด การแก้ปัญหานี้สำคัญที่สุดอยู่ที่ การปฏิบัติของเจ้าหน้าที่ของรัฐที่เป็นไปด้วยความเที่ยงตรง เอาจริงเอาจัง และมีความซื่อสัตย์ต่ออาชีพและ       หน้าที่ปฏิบัติตามตัวบทกฎหมายและพระราช บัญญัติป่าไม้อย่าง เคร่งครัดจะสามารถป้องกันการทำลายป่าในทุกรูปแบบได้ </a:t>
+            </a:r>
+          </a:p>
+        </p:txBody>
+      </p:sp>
+    </p:spTree>
+    <p:extLst>
+      <p:ext uri="{BB962C8B-B14F-4D97-AF65-F5344CB8AC3E}">
+        <p14:creationId xmlns:p14="http://schemas.microsoft.com/office/powerpoint/2010/main" val="1327085156"/>
+      </p:ext>
+    </p:extLst>
+  </p:cSld>
+  <p:clrMapOvr>
+    <a:masterClrMapping/>
+  </p:clrMapOvr>
+</p:sld>
+</file>
+
+<file path=ppt/slides/slide8.xml><?xml version="1.0" encoding="utf-8"?>
+<p:sld xmlns:a="http://schemas.openxmlformats.org/drawingml/2006/main" xmlns:r="http://schemas.openxmlformats.org/officeDocument/2006/relationships" xmlns:p="http://schemas.openxmlformats.org/presentationml/2006/main">
+  <p:cSld>
+    <p:spTree>
+      <p:nvGrpSpPr>
+        <p:cNvPr id="1" name=""/>
+        <p:cNvGrpSpPr/>
+        <p:nvPr/>
+      </p:nvGrpSpPr>
+      <p:grpSpPr>
+        <a:xfrm>
+          <a:off x="0" y="0"/>
+          <a:ext cx="0" cy="0"/>
+          <a:chOff x="0" y="0"/>
+          <a:chExt cx="0" cy="0"/>
+        </a:xfrm>
+      </p:grpSpPr>
+      <p:sp>
+        <p:nvSpPr>
+          <p:cNvPr id="3" name="Content Placeholder 2"/>
+          <p:cNvSpPr>
+            <a:spLocks noGrp="1"/>
+          </p:cNvSpPr>
+          <p:nvPr>
+            <p:ph idx="1"/>
+          </p:nvPr>
+        </p:nvSpPr>
+        <p:spPr>
+          <a:xfrm>
+            <a:off x="855785" y="509953"/>
+            <a:ext cx="10515600" cy="5965948"/>
+          </a:xfrm>
+        </p:spPr>
+        <p:txBody>
+          <a:bodyPr>
+            <a:normAutofit/>
+          </a:bodyPr>
+          <a:lstStyle/>
+          <a:p>
+            <a:pPr marL="0" indent="0">
+              <a:buNone/>
+            </a:pPr>
+            <a:r>
+              <a:rPr lang="th-TH" b="1" u="sng" dirty="0">
+                <a:solidFill>
+                  <a:schemeClr val="bg1"/>
+                </a:solidFill>
+              </a:rPr>
+              <a:t>5. การใช้วัสดุทดแทนไม้ </a:t>
+            </a:r>
+          </a:p>
+          <a:p>
+            <a:pPr marL="0" indent="0">
+              <a:buNone/>
+            </a:pPr>
+            <a:r>
+              <a:rPr lang="th-TH" dirty="0">
+                <a:solidFill>
+                  <a:schemeClr val="bg1"/>
+                </a:solidFill>
+              </a:rPr>
+              <a:t>	ในการก่อสร้างต่าง ๆ ไม่ว่าจะเป็นบ้านเรือน หรือสิ่งก่อสร้างอื่นที่เคยใช้ไม้ดั้งเดิม เช่น การสร้างสะพานเพื่อทดแทนสะพานเก่าที่ชำรุด ควรจะใช้เหล็กทำสะพานให้รถวิ่งชั่วคราว ก่อนจะมีสะพานใหม่               ที่ถาวรและสร้างได้ด้วยวัสดุอื่นแทนไม้</a:t>
+            </a:r>
+          </a:p>
+          <a:p>
+            <a:pPr marL="0" indent="0">
+              <a:buNone/>
+            </a:pPr>
+            <a:endParaRPr lang="th-TH" b="1" u="sng" dirty="0">
+              <a:solidFill>
+                <a:schemeClr val="bg1"/>
+              </a:solidFill>
+            </a:endParaRPr>
+          </a:p>
+          <a:p>
+            <a:pPr marL="0" indent="0">
+              <a:buNone/>
+            </a:pPr>
+            <a:r>
+              <a:rPr lang="th-TH" b="1" u="sng" dirty="0">
+                <a:solidFill>
+                  <a:schemeClr val="bg1"/>
+                </a:solidFill>
+              </a:rPr>
+              <a:t>6. การใช้ไม้อย่างมีประสิทธิภาพ / ประหยัด </a:t>
+            </a:r>
+          </a:p>
+          <a:p>
+            <a:pPr marL="0" indent="0">
+              <a:buNone/>
+            </a:pPr>
+            <a:r>
+              <a:rPr lang="th-TH" dirty="0">
+                <a:solidFill>
+                  <a:schemeClr val="bg1"/>
+                </a:solidFill>
+              </a:rPr>
+              <a:t>	เป็น การนำเนื้อไม้มาใช้ให้เกิดประโยชน์มากที่สุด โดยใช้ทุกส่วนของต้น เช่น ไม้ที่เหลือจากการแปรรูป นำมาใช้เป็นวัสดุก่อสร้างแล้วสามารถนำ ไปเป็นวัตถุดิบทำไม้อัด ไม้ปาร์เก้ชิ้นไม้สับ (</a:t>
+            </a:r>
+            <a:r>
+              <a:rPr lang="en-US" dirty="0">
+                <a:solidFill>
+                  <a:schemeClr val="bg1"/>
+                </a:solidFill>
+              </a:rPr>
+              <a:t>Chip board) </a:t>
+            </a:r>
+            <a:r>
+              <a:rPr lang="th-TH" dirty="0">
+                <a:solidFill>
+                  <a:schemeClr val="bg1"/>
+                </a:solidFill>
+              </a:rPr>
+              <a:t>ไม้ประสาน (</a:t>
+            </a:r>
+            <a:r>
+              <a:rPr lang="en-US" dirty="0">
+                <a:solidFill>
+                  <a:schemeClr val="bg1"/>
+                </a:solidFill>
+              </a:rPr>
+              <a:t>Particle board) </a:t>
+            </a:r>
+            <a:r>
+              <a:rPr lang="th-TH" dirty="0">
+                <a:solidFill>
+                  <a:schemeClr val="bg1"/>
+                </a:solidFill>
+              </a:rPr>
+              <a:t>ทำเครื่องใช้ขนาดเล็ก เช่น แจกัน ที่เขี่ยบุหรี่ ของชำร่วย เป็นต้น ส่วนไม้ทีนำมาแปรรูปเพื่อใช้ในการก่อสร้างหรือเพื่อการอื่น ควรปรับปรุง คุณภาพไม้ ก่อนนำมาใช้ประโยชน์              เช่น การอาบน้ำยาไม้อบให้แห้งเพื่อยึดอายุการใช้งานให้ยาวนานออกไป</a:t>
+            </a:r>
+            <a:endParaRPr lang="th-TH" dirty="0">
+              <a:solidFill>
+                <a:schemeClr val="bg1"/>
+              </a:solidFill>
+            </a:endParaRPr>
+          </a:p>
+        </p:txBody>
+      </p:sp>
+    </p:spTree>
+    <p:extLst>
+      <p:ext uri="{BB962C8B-B14F-4D97-AF65-F5344CB8AC3E}">
+        <p14:creationId xmlns:p14="http://schemas.microsoft.com/office/powerpoint/2010/main" val="112527530"/>
+      </p:ext>
+    </p:extLst>
+  </p:cSld>
+  <p:clrMapOvr>
+    <a:masterClrMapping/>
+  </p:clrMapOvr>
+</p:sld>
+</file>
+
+<file path=ppt/slides/slide9.xml><?xml version="1.0" encoding="utf-8"?>
+<p:sld xmlns:a="http://schemas.openxmlformats.org/drawingml/2006/main" xmlns:r="http://schemas.openxmlformats.org/officeDocument/2006/relationships" xmlns:p="http://schemas.openxmlformats.org/presentationml/2006/main">
+  <p:cSld>
+    <p:spTree>
+      <p:nvGrpSpPr>
+        <p:cNvPr id="1" name=""/>
+        <p:cNvGrpSpPr/>
+        <p:nvPr/>
+      </p:nvGrpSpPr>
+      <p:grpSpPr>
+        <a:xfrm>
+          <a:off x="0" y="0"/>
+          <a:ext cx="0" cy="0"/>
+          <a:chOff x="0" y="0"/>
+          <a:chExt cx="0" cy="0"/>
+        </a:xfrm>
+      </p:grpSpPr>
+      <p:sp>
+        <p:nvSpPr>
+          <p:cNvPr id="3" name="Content Placeholder 2"/>
+          <p:cNvSpPr>
+            <a:spLocks noGrp="1"/>
+          </p:cNvSpPr>
+          <p:nvPr>
+            <p:ph idx="1"/>
+          </p:nvPr>
+        </p:nvSpPr>
+        <p:spPr>
+          <a:xfrm>
+            <a:off x="829408" y="492369"/>
+            <a:ext cx="10515600" cy="5807686"/>
+          </a:xfrm>
+        </p:spPr>
+        <p:txBody>
+          <a:bodyPr/>
+          <a:lstStyle/>
+          <a:p>
+            <a:pPr marL="0" indent="0">
+              <a:buNone/>
+            </a:pPr>
+            <a:r>
+              <a:rPr lang="th-TH" b="1" u="sng" dirty="0">
+                <a:solidFill>
+                  <a:schemeClr val="bg1"/>
+                </a:solidFill>
+              </a:rPr>
+              <a:t>7. การพยายามนำไม้ที่ไม่เคยใช้ประโยชน์มาใช้ </a:t>
+            </a:r>
+          </a:p>
+          <a:p>
+            <a:pPr marL="0" indent="0">
+              <a:buNone/>
+            </a:pPr>
+            <a:r>
+              <a:rPr lang="th-TH" dirty="0">
+                <a:solidFill>
+                  <a:schemeClr val="bg1"/>
+                </a:solidFill>
+              </a:rPr>
+              <a:t>	ไม้ที่ไม่เคยนำมาใช้ประโยชน์มาก่อน เช่น ไม้มะพร้าว ต้นตาล ไม้ยางพารา นำมาทำเครื่องใช้ในครัวเรือนได้หลายชนิด อาทิ ตู้ เตียง โต๊ะ ก่อนนำมาใช้ประโยชน์ ควรปรับปรุงคุณภาพไม้ก่อน</a:t>
+            </a:r>
+          </a:p>
+          <a:p>
+            <a:pPr marL="0" indent="0">
+              <a:buNone/>
+            </a:pPr>
+            <a:endParaRPr lang="th-TH" dirty="0">
+              <a:solidFill>
+                <a:schemeClr val="bg1"/>
+              </a:solidFill>
+            </a:endParaRPr>
+          </a:p>
+          <a:p>
+            <a:pPr marL="0" indent="0">
+              <a:buNone/>
+            </a:pPr>
+            <a:r>
+              <a:rPr lang="th-TH" b="1" u="sng" dirty="0">
+                <a:solidFill>
+                  <a:schemeClr val="bg1"/>
+                </a:solidFill>
+              </a:rPr>
+              <a:t>8. ส่งเสริม ประชาสัมพันธ์ ให้การศึกษา ให้เยาวชนและประชาชน</a:t>
+            </a:r>
+          </a:p>
+          <a:p>
+            <a:pPr marL="0" indent="0">
+              <a:buNone/>
+            </a:pPr>
+            <a:r>
+              <a:rPr lang="th-TH" dirty="0">
+                <a:solidFill>
+                  <a:schemeClr val="bg1"/>
+                </a:solidFill>
+              </a:rPr>
+              <a:t>	การได้ตระหนักถึงความสำคัญของป่าไม้ สร้างจิตสำนึกในการอนุรักษ์ และช่วยกันดูแลในการรักษาทรัพยากรป่าไม้ เหมือนกับที่เรารักษาและหวงแหนสิ่งของที่เป็นสมบัติของเราเอง</a:t>
+            </a:r>
+            <a:endParaRPr lang="th-TH" dirty="0">
+              <a:solidFill>
+                <a:schemeClr val="bg1"/>
+              </a:solidFill>
+            </a:endParaRPr>
+          </a:p>
+        </p:txBody>
+      </p:sp>
+      <p:pic>
+        <p:nvPicPr>
+          <p:cNvPr id="1026" name="Picture 2" descr="ผลการค้นหารูปภาพสำหรับ tree png"/>
+          <p:cNvPicPr>
+            <a:picLocks noChangeAspect="1" noChangeArrowheads="1"/>
+          </p:cNvPicPr>
+          <p:nvPr/>
+        </p:nvPicPr>
+        <p:blipFill>
+          <a:blip r:embed="rId2">
+            <a:extLst>
+              <a:ext uri="{28A0092B-C50C-407E-A947-70E740481C1C}">
+                <a14:useLocalDpi xmlns:a14="http://schemas.microsoft.com/office/drawing/2010/main" val="0"/>
+              </a:ext>
+            </a:extLst>
+          </a:blip>
+          <a:srcRect/>
+          <a:stretch>
+            <a:fillRect/>
+          </a:stretch>
+        </p:blipFill>
+        <p:spPr bwMode="auto">
+          <a:xfrm>
+            <a:off x="7438293" y="3372629"/>
+            <a:ext cx="4658458" cy="3485372"/>
+          </a:xfrm>
+          <a:prstGeom prst="rect">
+            <a:avLst/>
+          </a:prstGeom>
+          <a:noFill/>
+          <a:extLst>
+            <a:ext uri="{909E8E84-426E-40DD-AFC4-6F175D3DCCD1}">
+              <a14:hiddenFill xmlns:a14="http://schemas.microsoft.com/office/drawing/2010/main">
+                <a:solidFill>
+                  <a:srgbClr val="FFFFFF"/>
+                </a:solidFill>
+              </a14:hiddenFill>
+            </a:ext>
+          </a:extLst>
+        </p:spPr>
+      </p:pic>
+    </p:spTree>
+    <p:extLst>
+      <p:ext uri="{BB962C8B-B14F-4D97-AF65-F5344CB8AC3E}">
+        <p14:creationId xmlns:p14="http://schemas.microsoft.com/office/powerpoint/2010/main" val="2047440604"/>
       </p:ext>
     </p:extLst>
   </p:cSld>
